--- a/projects/kog.3gr.030-3d/lab.pptx
+++ b/projects/kog.3gr.030-3d/lab.pptx
@@ -250,7 +250,7 @@
           <a:p>
             <a:fld id="{EDBE0F85-4E3B-4E73-A5AC-61C1C0C09018}" type="datetimeFigureOut">
               <a:rPr lang="en-US" smtClean="0"/>
-              <a:t>3/15/2021</a:t>
+              <a:t>11/8/2021</a:t>
             </a:fld>
             <a:endParaRPr lang="en-US"/>
           </a:p>
@@ -1033,7 +1033,7 @@
           <a:p>
             <a:fld id="{233D5BDB-207A-4240-9DD0-70E5211C08C1}" type="datetimeFigureOut">
               <a:rPr lang="en-US" smtClean="0"/>
-              <a:t>3/15/2021</a:t>
+              <a:t>11/8/2021</a:t>
             </a:fld>
             <a:endParaRPr lang="en-US"/>
           </a:p>
@@ -1278,7 +1278,7 @@
             <a:fld id="{233D5BDB-207A-4240-9DD0-70E5211C08C1}" type="datetimeFigureOut">
               <a:rPr lang="en-US" smtClean="0"/>
               <a:pPr/>
-              <a:t>3/15/2021</a:t>
+              <a:t>11/8/2021</a:t>
             </a:fld>
             <a:endParaRPr lang="en-US"/>
           </a:p>
@@ -16550,7 +16550,7 @@
                 <a:latin typeface="Consolas" panose="020B0609020204030204" pitchFamily="49" charset="0"/>
                 <a:ea typeface="Times New Roman" panose="02020603050405020304" pitchFamily="18" charset="0"/>
               </a:rPr>
-              <a:t>this.envTexture</a:t>
+              <a:t>envTexture</a:t>
             </a:r>
             <a:r>
               <a:rPr lang="en-US" sz="1400" dirty="0">

--- a/projects/kog.3gr.030-3d/lab.pptx
+++ b/projects/kog.3gr.030-3d/lab.pptx
@@ -250,7 +250,7 @@
           <a:p>
             <a:fld id="{EDBE0F85-4E3B-4E73-A5AC-61C1C0C09018}" type="datetimeFigureOut">
               <a:rPr lang="en-US" smtClean="0"/>
-              <a:t>11/8/2021</a:t>
+              <a:t>3/15/2021</a:t>
             </a:fld>
             <a:endParaRPr lang="en-US"/>
           </a:p>
@@ -1033,7 +1033,7 @@
           <a:p>
             <a:fld id="{233D5BDB-207A-4240-9DD0-70E5211C08C1}" type="datetimeFigureOut">
               <a:rPr lang="en-US" smtClean="0"/>
-              <a:t>11/8/2021</a:t>
+              <a:t>3/15/2021</a:t>
             </a:fld>
             <a:endParaRPr lang="en-US"/>
           </a:p>
@@ -1278,7 +1278,7 @@
             <a:fld id="{233D5BDB-207A-4240-9DD0-70E5211C08C1}" type="datetimeFigureOut">
               <a:rPr lang="en-US" smtClean="0"/>
               <a:pPr/>
-              <a:t>11/8/2021</a:t>
+              <a:t>3/15/2021</a:t>
             </a:fld>
             <a:endParaRPr lang="en-US"/>
           </a:p>
@@ -16550,7 +16550,7 @@
                 <a:latin typeface="Consolas" panose="020B0609020204030204" pitchFamily="49" charset="0"/>
                 <a:ea typeface="Times New Roman" panose="02020603050405020304" pitchFamily="18" charset="0"/>
               </a:rPr>
-              <a:t>envTexture</a:t>
+              <a:t>this.envTexture</a:t>
             </a:r>
             <a:r>
               <a:rPr lang="en-US" sz="1400" dirty="0">

--- a/projects/kog.3gr.030-3d/lab.pptx
+++ b/projects/kog.3gr.030-3d/lab.pptx
@@ -249,7 +249,7 @@
           <a:p>
             <a:fld id="{EDBE0F85-4E3B-4E73-A5AC-61C1C0C09018}" type="datetimeFigureOut">
               <a:rPr lang="en-US" smtClean="0"/>
-              <a:t>3/7/2022</a:t>
+              <a:t>3/27/2023</a:t>
             </a:fld>
             <a:endParaRPr lang="en-US"/>
           </a:p>
@@ -1032,7 +1032,7 @@
           <a:p>
             <a:fld id="{233D5BDB-207A-4240-9DD0-70E5211C08C1}" type="datetimeFigureOut">
               <a:rPr lang="en-US" smtClean="0"/>
-              <a:t>3/7/2022</a:t>
+              <a:t>3/27/2023</a:t>
             </a:fld>
             <a:endParaRPr lang="en-US"/>
           </a:p>
@@ -1291,7 +1291,7 @@
           <a:p>
             <a:fld id="{338A3FAA-9C6C-4F9E-8590-40D8D97A52B8}" type="datetimeFigureOut">
               <a:rPr lang="en-US" smtClean="0"/>
-              <a:t>3/7/2022</a:t>
+              <a:t>3/27/2023</a:t>
             </a:fld>
             <a:endParaRPr lang="en-US"/>
           </a:p>
@@ -1506,7 +1506,7 @@
             <a:fld id="{233D5BDB-207A-4240-9DD0-70E5211C08C1}" type="datetimeFigureOut">
               <a:rPr lang="en-US" smtClean="0"/>
               <a:pPr/>
-              <a:t>3/7/2022</a:t>
+              <a:t>3/27/2023</a:t>
             </a:fld>
             <a:endParaRPr lang="en-US"/>
           </a:p>
